--- a/ClassMaterials/OOAndExceptions/Slides/OODFilesExceptions.pptx
+++ b/ClassMaterials/OOAndExceptions/Slides/OODFilesExceptions.pptx
@@ -8908,7 +8908,7 @@
               </a:lnSpc>
             </a:pPr>
             <a:r>
-              <a:rPr lang="en-US" sz="1800" b="0" strike="noStrike" spc="-1">
+              <a:rPr lang="en-US" sz="1800" b="0" strike="noStrike" spc="-1" dirty="0">
                 <a:solidFill>
                   <a:srgbClr val="FFFFFF"/>
                 </a:solidFill>
@@ -8923,7 +8923,7 @@
               <a:t>Check out </a:t>
             </a:r>
             <a:r>
-              <a:rPr lang="en-US" sz="1800" b="0" i="1" strike="noStrike" spc="-1">
+              <a:rPr lang="en-US" sz="1800" b="0" i="1" strike="noStrike" spc="-1" dirty="0" err="1">
                 <a:solidFill>
                   <a:srgbClr val="FFFFFF"/>
                 </a:solidFill>
@@ -8935,10 +8935,10 @@
                 <a:latin typeface="Calibri"/>
                 <a:ea typeface="DejaVu Sans"/>
               </a:rPr>
-              <a:t>FilesAndExceptions </a:t>
-            </a:r>
-            <a:r>
-              <a:rPr lang="en-US" sz="1800" b="0" strike="noStrike" spc="-1">
+              <a:t>FilesAndExceptions</a:t>
+            </a:r>
+            <a:r>
+              <a:rPr lang="en-US" sz="1800" b="0" i="1" strike="noStrike" spc="-1" dirty="0">
                 <a:solidFill>
                   <a:srgbClr val="FFFFFF"/>
                 </a:solidFill>
@@ -8950,9 +8950,39 @@
                 <a:latin typeface="Calibri"/>
                 <a:ea typeface="DejaVu Sans"/>
               </a:rPr>
-              <a:t>from SVN</a:t>
-            </a:r>
-            <a:endParaRPr lang="en-US" sz="1800" b="0" strike="noStrike" spc="-1">
+              <a:t> </a:t>
+            </a:r>
+            <a:r>
+              <a:rPr lang="en-US" sz="1800" b="0" strike="noStrike" spc="-1" dirty="0">
+                <a:solidFill>
+                  <a:srgbClr val="FFFFFF"/>
+                </a:solidFill>
+                <a:uFill>
+                  <a:solidFill>
+                    <a:srgbClr val="FFFFFF"/>
+                  </a:solidFill>
+                </a:uFill>
+                <a:latin typeface="Calibri"/>
+                <a:ea typeface="DejaVu Sans"/>
+              </a:rPr>
+              <a:t>from </a:t>
+            </a:r>
+            <a:r>
+              <a:rPr lang="en-US" sz="1800" b="0" strike="noStrike" spc="-1" dirty="0" err="1" smtClean="0">
+                <a:solidFill>
+                  <a:srgbClr val="FFFFFF"/>
+                </a:solidFill>
+                <a:uFill>
+                  <a:solidFill>
+                    <a:srgbClr val="FFFFFF"/>
+                  </a:solidFill>
+                </a:uFill>
+                <a:latin typeface="Calibri"/>
+                <a:ea typeface="DejaVu Sans"/>
+              </a:rPr>
+              <a:t>Git</a:t>
+            </a:r>
+            <a:endParaRPr lang="en-US" sz="1800" b="0" strike="noStrike" spc="-1" dirty="0">
               <a:solidFill>
                 <a:srgbClr val="000000"/>
               </a:solidFill>
@@ -16688,22 +16718,7 @@
                 <a:latin typeface="Calibri"/>
                 <a:ea typeface="DejaVu Sans"/>
               </a:rPr>
-              <a:t>coupling, </a:t>
-            </a:r>
-            <a:r>
-              <a:rPr lang="en-US" sz="2600" b="0" strike="noStrike" spc="-1" dirty="0" smtClean="0">
-                <a:solidFill>
-                  <a:srgbClr val="000000"/>
-                </a:solidFill>
-                <a:uFill>
-                  <a:solidFill>
-                    <a:srgbClr val="FFFFFF"/>
-                  </a:solidFill>
-                </a:uFill>
-                <a:latin typeface="Calibri"/>
-                <a:ea typeface="DejaVu Sans"/>
-              </a:rPr>
-              <a:t>cohesion (~4 </a:t>
+              <a:t>coupling, cohesion (~4 </a:t>
             </a:r>
             <a:r>
               <a:rPr lang="en-US" sz="2600" b="0" strike="noStrike" spc="-1" dirty="0">
@@ -17197,7 +17212,35 @@
                 </a:uFill>
                 <a:latin typeface="Arial"/>
               </a:rPr>
-              <a:t>Take Moodle survey today to voice your preferences for project partners.</a:t>
+              <a:t>Take </a:t>
+            </a:r>
+            <a:r>
+              <a:rPr lang="en-US" sz="2000" b="0" strike="noStrike" spc="-1" dirty="0" smtClean="0">
+                <a:solidFill>
+                  <a:srgbClr val="000000"/>
+                </a:solidFill>
+                <a:uFill>
+                  <a:solidFill>
+                    <a:srgbClr val="FFFFFF"/>
+                  </a:solidFill>
+                </a:uFill>
+                <a:latin typeface="Arial"/>
+              </a:rPr>
+              <a:t>CATME </a:t>
+            </a:r>
+            <a:r>
+              <a:rPr lang="en-US" sz="2000" b="0" strike="noStrike" spc="-1" dirty="0" smtClean="0">
+                <a:solidFill>
+                  <a:srgbClr val="000000"/>
+                </a:solidFill>
+                <a:uFill>
+                  <a:solidFill>
+                    <a:srgbClr val="FFFFFF"/>
+                  </a:solidFill>
+                </a:uFill>
+                <a:latin typeface="Arial"/>
+              </a:rPr>
+              <a:t>survey today to voice your preferences for project partners.</a:t>
             </a:r>
           </a:p>
           <a:p>
@@ -17831,8 +17874,33 @@
               <a:buFont typeface="Wingdings" charset="2"/>
               <a:buChar char=""/>
             </a:pPr>
-            <a:r>
-              <a:rPr lang="en-US" sz="2600" b="0" strike="noStrike" spc="-1" dirty="0">
+            <a:endParaRPr lang="en-US" sz="2600" b="0" strike="noStrike" spc="-1" dirty="0" smtClean="0">
+              <a:solidFill>
+                <a:srgbClr val="000000"/>
+              </a:solidFill>
+              <a:uFill>
+                <a:solidFill>
+                  <a:srgbClr val="FFFFFF"/>
+                </a:solidFill>
+              </a:uFill>
+              <a:latin typeface="Calibri"/>
+              <a:ea typeface="DejaVu Sans"/>
+            </a:endParaRPr>
+          </a:p>
+          <a:p>
+            <a:pPr marL="432000" indent="-323280">
+              <a:lnSpc>
+                <a:spcPct val="100000"/>
+              </a:lnSpc>
+              <a:buClr>
+                <a:srgbClr val="000000"/>
+              </a:buClr>
+              <a:buSzPct val="45000"/>
+              <a:buFont typeface="Wingdings" charset="2"/>
+              <a:buChar char=""/>
+            </a:pPr>
+            <a:r>
+              <a:rPr lang="en-US" sz="3200" spc="-1" dirty="0" smtClean="0">
                 <a:solidFill>
                   <a:srgbClr val="000000"/>
                 </a:solidFill>
@@ -17844,7 +17912,62 @@
                 <a:latin typeface="Calibri"/>
                 <a:ea typeface="DejaVu Sans"/>
               </a:rPr>
-              <a:t>Problem where you have to layout a GUI and handle updates using listeners</a:t>
+              <a:t>Take-home Part:</a:t>
+            </a:r>
+            <a:endParaRPr lang="en-US" sz="3200" spc="-1" dirty="0">
+              <a:solidFill>
+                <a:srgbClr val="000000"/>
+              </a:solidFill>
+              <a:uFill>
+                <a:solidFill>
+                  <a:srgbClr val="FFFFFF"/>
+                </a:solidFill>
+              </a:uFill>
+              <a:latin typeface="Calibri"/>
+              <a:ea typeface="DejaVu Sans"/>
+            </a:endParaRPr>
+          </a:p>
+          <a:p>
+            <a:pPr marL="432000" indent="-323280">
+              <a:lnSpc>
+                <a:spcPct val="100000"/>
+              </a:lnSpc>
+              <a:buClr>
+                <a:srgbClr val="000000"/>
+              </a:buClr>
+              <a:buSzPct val="45000"/>
+              <a:buFont typeface="Wingdings" charset="2"/>
+              <a:buChar char=""/>
+            </a:pPr>
+            <a:r>
+              <a:rPr lang="en-US" sz="2600" b="0" strike="noStrike" spc="-1" dirty="0" smtClean="0">
+                <a:solidFill>
+                  <a:srgbClr val="000000"/>
+                </a:solidFill>
+                <a:uFill>
+                  <a:solidFill>
+                    <a:srgbClr val="FFFFFF"/>
+                  </a:solidFill>
+                </a:uFill>
+                <a:latin typeface="Calibri"/>
+                <a:ea typeface="DejaVu Sans"/>
+              </a:rPr>
+              <a:t>Problem </a:t>
+            </a:r>
+            <a:r>
+              <a:rPr lang="en-US" sz="2600" b="0" strike="noStrike" spc="-1" dirty="0">
+                <a:solidFill>
+                  <a:srgbClr val="000000"/>
+                </a:solidFill>
+                <a:uFill>
+                  <a:solidFill>
+                    <a:srgbClr val="FFFFFF"/>
+                  </a:solidFill>
+                </a:uFill>
+                <a:latin typeface="Calibri"/>
+                <a:ea typeface="DejaVu Sans"/>
+              </a:rPr>
+              <a:t>where you have to layout a GUI and handle updates using listeners</a:t>
             </a:r>
             <a:endParaRPr lang="en-US" sz="1800" b="0" strike="noStrike" spc="-1" dirty="0">
               <a:solidFill>
@@ -17922,7 +18045,12 @@
             <p:ph type="title"/>
           </p:nvPr>
         </p:nvSpPr>
-        <p:spPr/>
+        <p:spPr>
+          <a:xfrm>
+            <a:off x="457200" y="846000"/>
+            <a:ext cx="8229240" cy="1144800"/>
+          </a:xfrm>
+        </p:spPr>
         <p:txBody>
           <a:bodyPr/>
           <a:lstStyle/>
@@ -17945,7 +18073,12 @@
             <p:ph type="subTitle"/>
           </p:nvPr>
         </p:nvSpPr>
-        <p:spPr/>
+        <p:spPr>
+          <a:xfrm>
+            <a:off x="552893" y="3835507"/>
+            <a:ext cx="8229240" cy="1144800"/>
+          </a:xfrm>
+        </p:spPr>
         <p:txBody>
           <a:bodyPr/>
           <a:lstStyle/>
@@ -17961,7 +18094,7 @@
                   </a:solidFill>
                 </a:uFill>
               </a:rPr>
-              <a:t>Take Moodle survey today to voice your preferences for project partners</a:t>
+              <a:t>Take </a:t>
             </a:r>
             <a:r>
               <a:rPr lang="en-US" spc="-1" dirty="0" smtClean="0">
@@ -17974,31 +18107,60 @@
                   </a:solidFill>
                 </a:uFill>
               </a:rPr>
+              <a:t>CATME </a:t>
+            </a:r>
+            <a:r>
+              <a:rPr lang="en-US" spc="-1" dirty="0">
+                <a:solidFill>
+                  <a:srgbClr val="000000"/>
+                </a:solidFill>
+                <a:uFill>
+                  <a:solidFill>
+                    <a:srgbClr val="FFFFFF"/>
+                  </a:solidFill>
+                </a:uFill>
+              </a:rPr>
+              <a:t>survey today </a:t>
+            </a:r>
+            <a:r>
+              <a:rPr lang="en-US" spc="-1" dirty="0" smtClean="0">
+                <a:solidFill>
+                  <a:srgbClr val="000000"/>
+                </a:solidFill>
+                <a:uFill>
+                  <a:solidFill>
+                    <a:srgbClr val="FFFFFF"/>
+                  </a:solidFill>
+                </a:uFill>
+              </a:rPr>
+              <a:t>by 5PM to </a:t>
+            </a:r>
+            <a:r>
+              <a:rPr lang="en-US" spc="-1" dirty="0">
+                <a:solidFill>
+                  <a:srgbClr val="000000"/>
+                </a:solidFill>
+                <a:uFill>
+                  <a:solidFill>
+                    <a:srgbClr val="FFFFFF"/>
+                  </a:solidFill>
+                </a:uFill>
+              </a:rPr>
+              <a:t>voice your preferences for project partners</a:t>
+            </a:r>
+            <a:r>
+              <a:rPr lang="en-US" spc="-1" dirty="0" smtClean="0">
+                <a:solidFill>
+                  <a:srgbClr val="000000"/>
+                </a:solidFill>
+                <a:uFill>
+                  <a:solidFill>
+                    <a:srgbClr val="FFFFFF"/>
+                  </a:solidFill>
+                </a:uFill>
+              </a:rPr>
               <a:t>.</a:t>
             </a:r>
-          </a:p>
-          <a:p>
-            <a:r>
-              <a:rPr lang="en-US" dirty="0" err="1">
-                <a:hlinkClick r:id="rId2"/>
-              </a:rPr>
-              <a:t>BallWorlds</a:t>
-            </a:r>
-            <a:r>
-              <a:rPr lang="en-US" dirty="0"/>
-              <a:t> DUE TONIGHT AT </a:t>
-            </a:r>
-            <a:r>
-              <a:rPr lang="en-US" dirty="0" smtClean="0"/>
-              <a:t>11:55pm</a:t>
-            </a:r>
-          </a:p>
-          <a:p>
-            <a:r>
-              <a:rPr lang="en-US" dirty="0" smtClean="0"/>
-              <a:t>Bring review questions for Wednesday</a:t>
-            </a:r>
-            <a:endParaRPr lang="en-US" dirty="0"/>
           </a:p>
           <a:p>
             <a:endParaRPr lang="en-US" spc="-1" dirty="0">
@@ -22034,25 +22196,6 @@
               <a:t>Live code a level loader</a:t>
             </a:r>
             <a:endParaRPr lang="en-US" dirty="0"/>
-          </a:p>
-        </p:txBody>
-      </p:sp>
-      <p:sp>
-        <p:nvSpPr>
-          <p:cNvPr id="3" name="Subtitle 2"/>
-          <p:cNvSpPr>
-            <a:spLocks noGrp="1"/>
-          </p:cNvSpPr>
-          <p:nvPr>
-            <p:ph type="subTitle"/>
-          </p:nvPr>
-        </p:nvSpPr>
-        <p:spPr/>
-        <p:txBody>
-          <a:bodyPr/>
-          <a:lstStyle/>
-          <a:p>
-            <a:endParaRPr lang="en-US"/>
           </a:p>
         </p:txBody>
       </p:sp>

--- a/ClassMaterials/OOAndExceptions/Slides/OODFilesExceptions.pptx
+++ b/ClassMaterials/OOAndExceptions/Slides/OODFilesExceptions.pptx
@@ -1242,7 +1242,7 @@
           <a:lstStyle/>
           <a:p>
             <a:r>
-              <a:rPr lang="en-US" dirty="0" smtClean="0">
+              <a:rPr lang="en-US" dirty="0">
                 <a:hlinkClick r:id="rId3"/>
               </a:rPr>
               <a:t>http://www.plantuml.com/plantuml/uml/SoWkIImgAStDuKhEIImkLd0jIyqh2KWiAaujgkRYvAhbGXOFgIn8hUPIK518HQW2SGloYuipat9ImOhGz01DIONfDUHIW0Aua158EHVST0KbBINTqW9TEsI784iRATdefkINv-dQAHdewHagGTHnEQJcfG0z0G00</a:t>
@@ -1611,20 +1611,20 @@
           <a:bodyPr lIns="96480" tIns="48240" rIns="96480" bIns="48240"/>
           <a:lstStyle/>
           <a:p>
-            <a:endParaRPr lang="en-US" sz="2000" b="0" strike="noStrike" spc="-1" baseline="0" dirty="0" smtClean="0">
-              <a:solidFill>
-                <a:srgbClr val="000000"/>
-              </a:solidFill>
-              <a:uFill>
-                <a:solidFill>
-                  <a:srgbClr val="FFFFFF"/>
-                </a:solidFill>
-              </a:uFill>
-              <a:latin typeface="Arial"/>
-            </a:endParaRPr>
-          </a:p>
-          <a:p>
-            <a:endParaRPr lang="en-US" sz="2000" b="0" strike="noStrike" spc="-1" baseline="0" dirty="0" smtClean="0">
+            <a:endParaRPr lang="en-US" sz="2000" b="0" strike="noStrike" spc="-1" baseline="0" dirty="0">
+              <a:solidFill>
+                <a:srgbClr val="000000"/>
+              </a:solidFill>
+              <a:uFill>
+                <a:solidFill>
+                  <a:srgbClr val="FFFFFF"/>
+                </a:solidFill>
+              </a:uFill>
+              <a:latin typeface="Arial"/>
+            </a:endParaRPr>
+          </a:p>
+          <a:p>
+            <a:endParaRPr lang="en-US" sz="2000" b="0" strike="noStrike" spc="-1" baseline="0" dirty="0">
               <a:solidFill>
                 <a:srgbClr val="000000"/>
               </a:solidFill>
@@ -1768,7 +1768,7 @@
           <a:lstStyle/>
           <a:p>
             <a:r>
-              <a:rPr lang="en-US" sz="2000" b="0" strike="noStrike" spc="-1" dirty="0" smtClean="0">
+              <a:rPr lang="en-US" sz="2000" b="0" strike="noStrike" spc="-1" dirty="0">
                 <a:solidFill>
                   <a:srgbClr val="000000"/>
                 </a:solidFill>
@@ -1782,7 +1782,7 @@
               <a:t>Try to read</a:t>
             </a:r>
             <a:r>
-              <a:rPr lang="en-US" sz="2000" b="0" strike="noStrike" spc="-1" baseline="0" dirty="0" smtClean="0">
+              <a:rPr lang="en-US" sz="2000" b="0" strike="noStrike" spc="-1" baseline="0" dirty="0">
                 <a:solidFill>
                   <a:srgbClr val="000000"/>
                 </a:solidFill>
@@ -2737,10 +2737,9 @@
           <a:lstStyle/>
           <a:p>
             <a:r>
-              <a:rPr lang="en-US" smtClean="0"/>
+              <a:rPr lang="en-US"/>
               <a:t>Click to edit Master title style</a:t>
             </a:r>
-            <a:endParaRPr lang="en-US"/>
           </a:p>
         </p:txBody>
       </p:sp>
@@ -2761,38 +2760,37 @@
           <a:p>
             <a:pPr lvl="0"/>
             <a:r>
-              <a:rPr lang="en-US" smtClean="0"/>
+              <a:rPr lang="en-US"/>
               <a:t>Click to edit Master text styles</a:t>
             </a:r>
           </a:p>
           <a:p>
             <a:pPr lvl="1"/>
             <a:r>
-              <a:rPr lang="en-US" smtClean="0"/>
+              <a:rPr lang="en-US"/>
               <a:t>Second level</a:t>
             </a:r>
           </a:p>
           <a:p>
             <a:pPr lvl="2"/>
             <a:r>
-              <a:rPr lang="en-US" smtClean="0"/>
+              <a:rPr lang="en-US"/>
               <a:t>Third level</a:t>
             </a:r>
           </a:p>
           <a:p>
             <a:pPr lvl="3"/>
             <a:r>
-              <a:rPr lang="en-US" smtClean="0"/>
+              <a:rPr lang="en-US"/>
               <a:t>Fourth level</a:t>
             </a:r>
           </a:p>
           <a:p>
             <a:pPr lvl="4"/>
             <a:r>
-              <a:rPr lang="en-US" smtClean="0"/>
+              <a:rPr lang="en-US"/>
               <a:t>Fifth level</a:t>
             </a:r>
-            <a:endParaRPr lang="en-US"/>
           </a:p>
         </p:txBody>
       </p:sp>
@@ -2814,7 +2812,7 @@
             <a:fld id="{410E03A8-3A50-4824-93B1-5AB2817A85E6}" type="datetime1">
               <a:rPr lang="en-US" smtClean="0"/>
               <a:pPr/>
-              <a:t>5/15/2020</a:t>
+              <a:t>2/24/22</a:t>
             </a:fld>
             <a:endParaRPr lang="en-US"/>
           </a:p>
@@ -8748,7 +8746,7 @@
               </a:lnSpc>
             </a:pPr>
             <a:r>
-              <a:rPr lang="en-US" sz="2500" b="0" strike="noStrike" spc="-1" dirty="0" smtClean="0">
+              <a:rPr lang="en-US" sz="2500" b="0" strike="noStrike" spc="-1" dirty="0">
                 <a:solidFill>
                   <a:srgbClr val="8B8B8B"/>
                 </a:solidFill>
@@ -8760,22 +8758,7 @@
                 <a:latin typeface="Calibri"/>
                 <a:ea typeface="DejaVu Sans"/>
               </a:rPr>
-              <a:t>Files </a:t>
-            </a:r>
-            <a:r>
-              <a:rPr lang="en-US" sz="2500" b="0" strike="noStrike" spc="-1" dirty="0">
-                <a:solidFill>
-                  <a:srgbClr val="8B8B8B"/>
-                </a:solidFill>
-                <a:uFill>
-                  <a:solidFill>
-                    <a:srgbClr val="FFFFFF"/>
-                  </a:solidFill>
-                </a:uFill>
-                <a:latin typeface="Calibri"/>
-                <a:ea typeface="DejaVu Sans"/>
-              </a:rPr>
-              <a:t>&amp; Exceptions</a:t>
+              <a:t>Files &amp; Exceptions</a:t>
             </a:r>
             <a:endParaRPr lang="en-US" sz="1800" b="0" strike="noStrike" spc="-1" dirty="0">
               <a:solidFill>
@@ -8793,21 +8776,27 @@
       </p:sp>
       <p:sp>
         <p:nvSpPr>
-          <p:cNvPr id="115" name="CustomShape 3"/>
+          <p:cNvPr id="5" name="Rectangle 4">
+            <a:extLst>
+              <a:ext uri="{FF2B5EF4-FFF2-40B4-BE49-F238E27FC236}">
+                <a16:creationId xmlns:a16="http://schemas.microsoft.com/office/drawing/2014/main" id="{977660DA-4A45-B849-9474-80FE8EB371A2}"/>
+              </a:ext>
+            </a:extLst>
+          </p:cNvPr>
           <p:cNvSpPr/>
           <p:nvPr/>
         </p:nvSpPr>
         <p:spPr>
           <a:xfrm>
-            <a:off x="285840" y="6242040"/>
-            <a:ext cx="5313960" cy="363960"/>
+            <a:off x="304260" y="5276820"/>
+            <a:ext cx="8534400" cy="1295400"/>
           </a:xfrm>
           <a:prstGeom prst="rect">
             <a:avLst/>
           </a:prstGeom>
-          <a:ln>
-            <a:round/>
-          </a:ln>
+          <a:solidFill>
+            <a:schemeClr val="accent3"/>
+          </a:solidFill>
         </p:spPr>
         <p:style>
           <a:lnRef idx="2">
@@ -8821,103 +8810,60 @@
           <a:effectRef idx="0">
             <a:schemeClr val="accent3"/>
           </a:effectRef>
-          <a:fontRef idx="minor"/>
+          <a:fontRef idx="minor">
+            <a:schemeClr val="lt1"/>
+          </a:fontRef>
         </p:style>
         <p:txBody>
-          <a:bodyPr lIns="90000" tIns="45000" rIns="90000" bIns="45000"/>
+          <a:bodyPr rtlCol="0" anchor="ctr"/>
           <a:lstStyle/>
           <a:p>
-            <a:pPr>
-              <a:lnSpc>
-                <a:spcPct val="100000"/>
-              </a:lnSpc>
+            <a:r>
+              <a:rPr lang="en-US" sz="2400" dirty="0">
+                <a:solidFill>
+                  <a:srgbClr val="FFFFFF"/>
+                </a:solidFill>
+              </a:rPr>
+              <a:t>The </a:t>
+            </a:r>
+            <a:r>
+              <a:rPr lang="en-US" sz="2400" i="1" dirty="0">
+                <a:solidFill>
+                  <a:srgbClr val="FFFFFF"/>
+                </a:solidFill>
+              </a:rPr>
+              <a:t>git</a:t>
+            </a:r>
+            <a:r>
+              <a:rPr lang="en-US" sz="2400" dirty="0">
+                <a:solidFill>
+                  <a:srgbClr val="FFFFFF"/>
+                </a:solidFill>
+              </a:rPr>
+              <a:t> projects for today are:</a:t>
+            </a:r>
+          </a:p>
+          <a:p>
+            <a:pPr marL="342900" indent="-342900">
+              <a:buFont typeface="Arial" panose="020B0604020202020204" pitchFamily="34" charset="0"/>
+              <a:buChar char="•"/>
             </a:pPr>
             <a:r>
-              <a:rPr lang="en-US" sz="1800" b="0" strike="noStrike" spc="-1" dirty="0">
-                <a:solidFill>
-                  <a:srgbClr val="FFFFFF"/>
-                </a:solidFill>
-                <a:uFill>
-                  <a:solidFill>
-                    <a:srgbClr val="FFFFFF"/>
-                  </a:solidFill>
-                </a:uFill>
-                <a:latin typeface="Calibri"/>
-                <a:ea typeface="DejaVu Sans"/>
-              </a:rPr>
-              <a:t>Check out </a:t>
-            </a:r>
-            <a:r>
-              <a:rPr lang="en-US" sz="1800" b="0" i="1" strike="noStrike" spc="-1" dirty="0" err="1">
-                <a:solidFill>
-                  <a:srgbClr val="FFFFFF"/>
-                </a:solidFill>
-                <a:uFill>
-                  <a:solidFill>
-                    <a:srgbClr val="FFFFFF"/>
-                  </a:solidFill>
-                </a:uFill>
-                <a:latin typeface="Calibri"/>
-                <a:ea typeface="DejaVu Sans"/>
-              </a:rPr>
-              <a:t>FilesAndExceptions</a:t>
-            </a:r>
-            <a:r>
-              <a:rPr lang="en-US" sz="1800" b="0" i="1" strike="noStrike" spc="-1" dirty="0">
-                <a:solidFill>
-                  <a:srgbClr val="FFFFFF"/>
-                </a:solidFill>
-                <a:uFill>
-                  <a:solidFill>
-                    <a:srgbClr val="FFFFFF"/>
-                  </a:solidFill>
-                </a:uFill>
-                <a:latin typeface="Calibri"/>
-                <a:ea typeface="DejaVu Sans"/>
-              </a:rPr>
-              <a:t> </a:t>
-            </a:r>
-            <a:r>
-              <a:rPr lang="en-US" sz="1800" b="0" strike="noStrike" spc="-1" dirty="0">
-                <a:solidFill>
-                  <a:srgbClr val="FFFFFF"/>
-                </a:solidFill>
-                <a:uFill>
-                  <a:solidFill>
-                    <a:srgbClr val="FFFFFF"/>
-                  </a:solidFill>
-                </a:uFill>
-                <a:latin typeface="Calibri"/>
-                <a:ea typeface="DejaVu Sans"/>
-              </a:rPr>
-              <a:t>from </a:t>
-            </a:r>
-            <a:r>
-              <a:rPr lang="en-US" sz="1800" b="0" strike="noStrike" spc="-1" dirty="0" err="1" smtClean="0">
-                <a:solidFill>
-                  <a:srgbClr val="FFFFFF"/>
-                </a:solidFill>
-                <a:uFill>
-                  <a:solidFill>
-                    <a:srgbClr val="FFFFFF"/>
-                  </a:solidFill>
-                </a:uFill>
-                <a:latin typeface="Calibri"/>
-                <a:ea typeface="DejaVu Sans"/>
-              </a:rPr>
-              <a:t>Git</a:t>
-            </a:r>
-            <a:endParaRPr lang="en-US" sz="1800" b="0" strike="noStrike" spc="-1" dirty="0">
-              <a:solidFill>
-                <a:srgbClr val="000000"/>
-              </a:solidFill>
-              <a:uFill>
-                <a:solidFill>
-                  <a:srgbClr val="FFFFFF"/>
-                </a:solidFill>
-              </a:uFill>
-              <a:latin typeface="Arial"/>
-            </a:endParaRPr>
+              <a:rPr lang="en-US" sz="2400" i="1" dirty="0" err="1"/>
+              <a:t>PracticeFilesAndExceptions</a:t>
+            </a:r>
+            <a:endParaRPr lang="en-US" sz="2400" i="1" dirty="0"/>
+          </a:p>
+          <a:p>
+            <a:pPr marL="342900" indent="-342900">
+              <a:buFont typeface="Arial" panose="020B0604020202020204" pitchFamily="34" charset="0"/>
+              <a:buChar char="•"/>
+            </a:pPr>
+            <a:r>
+              <a:rPr lang="en-US" sz="2400" i="1" dirty="0" err="1"/>
+              <a:t>PracticeFilesAndExceptionsSolution</a:t>
+            </a:r>
+            <a:endParaRPr lang="en-US" sz="2400" i="1" dirty="0"/>
           </a:p>
         </p:txBody>
       </p:sp>
@@ -9521,13 +9467,6 @@
   <p:clrMapOvr>
     <a:masterClrMapping/>
   </p:clrMapOvr>
-  <p:timing>
-    <p:tnLst>
-      <p:par>
-        <p:cTn id="1" dur="indefinite" restart="never" nodeType="tmRoot"/>
-      </p:par>
-    </p:tnLst>
-  </p:timing>
 </p:sld>
 </file>
 
@@ -16171,22 +16110,7 @@
                 <a:latin typeface="Lucida Sans Typewriter"/>
                 <a:ea typeface="ＭＳ Ｐゴシック"/>
               </a:rPr>
-              <a:t>    // code that requires “clean up</a:t>
-            </a:r>
-            <a:r>
-              <a:rPr lang="en-US" sz="2400" b="1" strike="noStrike" spc="-1" dirty="0" smtClean="0">
-                <a:solidFill>
-                  <a:srgbClr val="4F81BD"/>
-                </a:solidFill>
-                <a:uFill>
-                  <a:solidFill>
-                    <a:srgbClr val="FFFFFF"/>
-                  </a:solidFill>
-                </a:uFill>
-                <a:latin typeface="Lucida Sans Typewriter"/>
-                <a:ea typeface="ＭＳ Ｐゴシック"/>
-              </a:rPr>
-              <a:t>”</a:t>
+              <a:t>    // code that requires “clean up”</a:t>
             </a:r>
             <a:endParaRPr lang="en-US" sz="1600" b="0" strike="noStrike" spc="-1" dirty="0">
               <a:solidFill>
@@ -16210,7 +16134,7 @@
               </a:buClr>
             </a:pPr>
             <a:r>
-              <a:rPr lang="en-US" sz="2400" b="1" strike="noStrike" spc="-1" dirty="0" smtClean="0">
+              <a:rPr lang="en-US" sz="2400" b="1" strike="noStrike" spc="-1" dirty="0">
                 <a:solidFill>
                   <a:srgbClr val="0000FF"/>
                 </a:solidFill>
@@ -16237,24 +16161,9 @@
                 <a:latin typeface="Lucida Sans Typewriter"/>
                 <a:ea typeface="ＭＳ Ｐゴシック"/>
               </a:rPr>
-              <a:t>// </a:t>
-            </a:r>
-            <a:r>
-              <a:rPr lang="en-US" sz="2400" b="1" spc="-1" dirty="0" smtClean="0">
-                <a:solidFill>
-                  <a:srgbClr val="4F81BD"/>
-                </a:solidFill>
-                <a:uFill>
-                  <a:solidFill>
-                    <a:srgbClr val="FFFFFF"/>
-                  </a:solidFill>
-                </a:uFill>
-                <a:latin typeface="Lucida Sans Typewriter"/>
-                <a:ea typeface="ＭＳ Ｐゴシック"/>
-              </a:rPr>
-              <a:t>then maybe some catches </a:t>
-            </a:r>
-            <a:endParaRPr lang="en-US" sz="2400" b="1" strike="noStrike" spc="-1" dirty="0" smtClean="0">
+              <a:t>// then maybe some catches </a:t>
+            </a:r>
+            <a:endParaRPr lang="en-US" sz="2400" b="1" strike="noStrike" spc="-1" dirty="0">
               <a:solidFill>
                 <a:srgbClr val="0000FF"/>
               </a:solidFill>
@@ -16277,7 +16186,7 @@
               </a:buClr>
             </a:pPr>
             <a:r>
-              <a:rPr lang="en-US" sz="2400" b="1" strike="noStrike" spc="-1" dirty="0" smtClean="0">
+              <a:rPr lang="en-US" sz="2400" b="1" strike="noStrike" spc="-1" dirty="0">
                 <a:solidFill>
                   <a:srgbClr val="0000FF"/>
                 </a:solidFill>
@@ -16289,22 +16198,7 @@
                 <a:latin typeface="Lucida Sans Typewriter"/>
                 <a:ea typeface="ＭＳ Ｐゴシック"/>
               </a:rPr>
-              <a:t>finally </a:t>
-            </a:r>
-            <a:r>
-              <a:rPr lang="en-US" sz="2400" b="1" strike="noStrike" spc="-1" dirty="0">
-                <a:solidFill>
-                  <a:srgbClr val="0000FF"/>
-                </a:solidFill>
-                <a:uFill>
-                  <a:solidFill>
-                    <a:srgbClr val="FFFFFF"/>
-                  </a:solidFill>
-                </a:uFill>
-                <a:latin typeface="Lucida Sans Typewriter"/>
-                <a:ea typeface="ＭＳ Ｐゴシック"/>
-              </a:rPr>
-              <a:t>{</a:t>
+              <a:t>finally {</a:t>
             </a:r>
             <a:endParaRPr lang="en-US" sz="1600" b="0" strike="noStrike" spc="-1" dirty="0">
               <a:solidFill>
@@ -16691,13 +16585,6 @@
   <p:clrMapOvr>
     <a:masterClrMapping/>
   </p:clrMapOvr>
-  <p:timing>
-    <p:tnLst>
-      <p:par>
-        <p:cTn id="1" dur="indefinite" restart="never" nodeType="tmRoot"/>
-      </p:par>
-    </p:tnLst>
-  </p:timing>
 </p:sld>
 </file>
 
@@ -17012,7 +16899,7 @@
           <a:lstStyle/>
           <a:p>
             <a:r>
-              <a:rPr lang="en-US" smtClean="0"/>
+              <a:rPr lang="en-US"/>
               <a:t>Reminders</a:t>
             </a:r>
             <a:endParaRPr lang="en-US" dirty="0"/>
@@ -17042,17 +16929,13 @@
             </a:pPr>
             <a:r>
               <a:rPr lang="en-US" dirty="0"/>
-              <a:t>U</a:t>
-            </a:r>
-            <a:r>
-              <a:rPr lang="en-US" dirty="0" smtClean="0"/>
-              <a:t>se your UML design when you code!</a:t>
+              <a:t>Use your UML design when you code!</a:t>
             </a:r>
           </a:p>
           <a:p>
             <a:pPr marL="914400" lvl="1" indent="-514350"/>
             <a:r>
-              <a:rPr lang="en-US" dirty="0" smtClean="0"/>
+              <a:rPr lang="en-US" dirty="0"/>
               <a:t>That’s why you did it!</a:t>
             </a:r>
           </a:p>
@@ -17062,51 +16945,34 @@
               <a:buAutoNum type="arabicPeriod"/>
             </a:pPr>
             <a:r>
-              <a:rPr lang="is-IS" dirty="0" smtClean="0"/>
+              <a:rPr lang="is-IS" dirty="0"/>
               <a:t>…</a:t>
             </a:r>
             <a:r>
-              <a:rPr lang="en-US" dirty="0" smtClean="0"/>
-              <a:t>but DON’T let </a:t>
-            </a:r>
-            <a:r>
               <a:rPr lang="en-US" dirty="0"/>
-              <a:t>it dictate the order that </a:t>
-            </a:r>
-            <a:r>
-              <a:rPr lang="en-US" dirty="0" smtClean="0"/>
-              <a:t>you code </a:t>
+              <a:t>but DON’T let it dictate the order that you code </a:t>
             </a:r>
           </a:p>
           <a:p>
             <a:pPr marL="914400" lvl="1" indent="-514350"/>
             <a:r>
-              <a:rPr lang="en-US" dirty="0" smtClean="0"/>
-              <a:t>Instead always do the next </a:t>
-            </a:r>
-            <a:r>
               <a:rPr lang="en-US" dirty="0"/>
-              <a:t>thing you can TEST</a:t>
-            </a:r>
-            <a:r>
-              <a:rPr lang="en-US" dirty="0" smtClean="0"/>
-              <a:t>.</a:t>
+              <a:t>Instead always do the next thing you can TEST.</a:t>
             </a:r>
           </a:p>
           <a:p>
             <a:pPr marL="914400" lvl="1" indent="-514350"/>
             <a:r>
-              <a:rPr lang="en-US" dirty="0" smtClean="0"/>
+              <a:rPr lang="en-US" dirty="0"/>
               <a:t>Start with a Level then a Hero and whatever you need to make them display.</a:t>
             </a:r>
           </a:p>
           <a:p>
             <a:pPr marL="914400" lvl="1" indent="-514350"/>
             <a:r>
-              <a:rPr lang="en-US" dirty="0" smtClean="0"/>
+              <a:rPr lang="en-US" dirty="0"/>
               <a:t>There is ZERO benefit to creating empty Monster classes at this point! </a:t>
             </a:r>
-            <a:endParaRPr lang="en-US" dirty="0"/>
           </a:p>
         </p:txBody>
       </p:sp>
@@ -17120,21 +16986,6 @@
   <p:clrMapOvr>
     <a:masterClrMapping/>
   </p:clrMapOvr>
-  <mc:AlternateContent xmlns:mc="http://schemas.openxmlformats.org/markup-compatibility/2006">
-    <mc:Choice xmlns:p14="http://schemas.microsoft.com/office/powerpoint/2010/main" Requires="p14">
-      <p:transition spd="slow" p14:dur="2000"/>
-    </mc:Choice>
-    <mc:Fallback>
-      <p:transition spd="slow"/>
-    </mc:Fallback>
-  </mc:AlternateContent>
-  <p:timing>
-    <p:tnLst>
-      <p:par>
-        <p:cTn id="1" dur="indefinite" restart="never" nodeType="tmRoot"/>
-      </p:par>
-    </p:tnLst>
-  </p:timing>
 </p:sld>
 </file>
 
@@ -17171,10 +17022,9 @@
           <a:lstStyle/>
           <a:p>
             <a:r>
-              <a:rPr lang="en-US" dirty="0" smtClean="0"/>
+              <a:rPr lang="en-US" dirty="0"/>
               <a:t>Mini Exception Assignment</a:t>
             </a:r>
-            <a:endParaRPr lang="en-US" dirty="0"/>
           </a:p>
         </p:txBody>
       </p:sp>
@@ -17355,37 +17205,7 @@
                 <a:latin typeface="Calibri"/>
                 <a:ea typeface="DejaVu Sans"/>
               </a:rPr>
-              <a:t>Paper part </a:t>
-            </a:r>
-            <a:r>
-              <a:rPr lang="en-US" sz="3200" b="0" strike="noStrike" spc="-1" dirty="0" smtClean="0">
-                <a:solidFill>
-                  <a:srgbClr val="000000"/>
-                </a:solidFill>
-                <a:uFill>
-                  <a:solidFill>
-                    <a:srgbClr val="FFFFFF"/>
-                  </a:solidFill>
-                </a:uFill>
-                <a:latin typeface="Calibri"/>
-                <a:ea typeface="DejaVu Sans"/>
-              </a:rPr>
-              <a:t>(~50 pts) includes</a:t>
-            </a:r>
-            <a:r>
-              <a:rPr lang="en-US" sz="3200" b="0" strike="noStrike" spc="-1" dirty="0">
-                <a:solidFill>
-                  <a:srgbClr val="000000"/>
-                </a:solidFill>
-                <a:uFill>
-                  <a:solidFill>
-                    <a:srgbClr val="FFFFFF"/>
-                  </a:solidFill>
-                </a:uFill>
-                <a:latin typeface="Calibri"/>
-                <a:ea typeface="DejaVu Sans"/>
-              </a:rPr>
-              <a:t>:</a:t>
+              <a:t>Paper part (~50 pts) includes:</a:t>
             </a:r>
             <a:endParaRPr lang="en-US" sz="1800" b="0" strike="noStrike" spc="-1" dirty="0">
               <a:solidFill>
@@ -17412,7 +17232,7 @@
               <a:buChar char=""/>
             </a:pPr>
             <a:r>
-              <a:rPr lang="en-US" sz="2600" spc="-1" dirty="0" smtClean="0">
+              <a:rPr lang="en-US" sz="2600" spc="-1" dirty="0">
                 <a:solidFill>
                   <a:srgbClr val="000000"/>
                 </a:solidFill>
@@ -17426,7 +17246,7 @@
               </a:rPr>
               <a:t>Questions about UML (~9 points)</a:t>
             </a:r>
-            <a:endParaRPr lang="en-US" sz="2600" b="0" strike="noStrike" spc="-1" dirty="0" smtClean="0">
+            <a:endParaRPr lang="en-US" sz="2600" b="0" strike="noStrike" spc="-1" dirty="0">
               <a:solidFill>
                 <a:srgbClr val="000000"/>
               </a:solidFill>
@@ -17452,7 +17272,7 @@
               <a:buChar char=""/>
             </a:pPr>
             <a:r>
-              <a:rPr lang="en-US" sz="2600" b="0" strike="noStrike" spc="-1" dirty="0" smtClean="0">
+              <a:rPr lang="en-US" sz="2600" b="0" strike="noStrike" spc="-1" dirty="0">
                 <a:solidFill>
                   <a:srgbClr val="000000"/>
                 </a:solidFill>
@@ -17464,52 +17284,7 @@
                 <a:latin typeface="Calibri"/>
                 <a:ea typeface="DejaVu Sans"/>
               </a:rPr>
-              <a:t>Questions </a:t>
-            </a:r>
-            <a:r>
-              <a:rPr lang="en-US" sz="2600" b="0" strike="noStrike" spc="-1" dirty="0">
-                <a:solidFill>
-                  <a:srgbClr val="000000"/>
-                </a:solidFill>
-                <a:uFill>
-                  <a:solidFill>
-                    <a:srgbClr val="FFFFFF"/>
-                  </a:solidFill>
-                </a:uFill>
-                <a:latin typeface="Calibri"/>
-                <a:ea typeface="DejaVu Sans"/>
-              </a:rPr>
-              <a:t>about </a:t>
-            </a:r>
-            <a:r>
-              <a:rPr lang="en-US" sz="2600" b="0" strike="noStrike" spc="-1" dirty="0" smtClean="0">
-                <a:solidFill>
-                  <a:srgbClr val="000000"/>
-                </a:solidFill>
-                <a:uFill>
-                  <a:solidFill>
-                    <a:srgbClr val="FFFFFF"/>
-                  </a:solidFill>
-                </a:uFill>
-                <a:latin typeface="Calibri"/>
-                <a:ea typeface="DejaVu Sans"/>
-              </a:rPr>
-              <a:t>coupling, cohesion (~4 </a:t>
-            </a:r>
-            <a:r>
-              <a:rPr lang="en-US" sz="2600" b="0" strike="noStrike" spc="-1" dirty="0">
-                <a:solidFill>
-                  <a:srgbClr val="000000"/>
-                </a:solidFill>
-                <a:uFill>
-                  <a:solidFill>
-                    <a:srgbClr val="FFFFFF"/>
-                  </a:solidFill>
-                </a:uFill>
-                <a:latin typeface="Calibri"/>
-                <a:ea typeface="DejaVu Sans"/>
-              </a:rPr>
-              <a:t>points)</a:t>
+              <a:t>Questions about coupling, cohesion (~4 points)</a:t>
             </a:r>
             <a:endParaRPr lang="en-US" sz="1800" b="0" strike="noStrike" spc="-1" dirty="0">
               <a:solidFill>
@@ -17544,51 +17319,9 @@
                 </a:uFill>
                 <a:latin typeface="Calibri"/>
               </a:rPr>
-              <a:t>1-2 Design Problem </a:t>
-            </a:r>
-            <a:r>
-              <a:rPr lang="en-US" sz="2600" spc="-1" dirty="0" smtClean="0">
-                <a:solidFill>
-                  <a:srgbClr val="000000"/>
-                </a:solidFill>
-                <a:uFill>
-                  <a:solidFill>
-                    <a:srgbClr val="FFFFFF"/>
-                  </a:solidFill>
-                </a:uFill>
-                <a:latin typeface="Calibri"/>
-              </a:rPr>
-              <a:t>(~12 </a:t>
-            </a:r>
-            <a:r>
-              <a:rPr lang="en-US" sz="2600" spc="-1" dirty="0">
-                <a:solidFill>
-                  <a:srgbClr val="000000"/>
-                </a:solidFill>
-                <a:uFill>
-                  <a:solidFill>
-                    <a:srgbClr val="FFFFFF"/>
-                  </a:solidFill>
-                </a:uFill>
-                <a:latin typeface="Calibri"/>
-              </a:rPr>
-              <a:t>points</a:t>
-            </a:r>
-            <a:r>
-              <a:rPr lang="en-US" sz="2600" spc="-1" dirty="0" smtClean="0">
-                <a:solidFill>
-                  <a:srgbClr val="000000"/>
-                </a:solidFill>
-                <a:uFill>
-                  <a:solidFill>
-                    <a:srgbClr val="FFFFFF"/>
-                  </a:solidFill>
-                </a:uFill>
-                <a:latin typeface="Calibri"/>
-              </a:rPr>
-              <a:t>)</a:t>
-            </a:r>
-            <a:endParaRPr lang="en-US" sz="2600" b="0" strike="noStrike" spc="-1" dirty="0" smtClean="0">
+              <a:t>1-2 Design Problem (~12 points)</a:t>
+            </a:r>
+            <a:endParaRPr lang="en-US" sz="2600" b="0" strike="noStrike" spc="-1" dirty="0">
               <a:solidFill>
                 <a:srgbClr val="000000"/>
               </a:solidFill>
@@ -17614,7 +17347,7 @@
               <a:buChar char=""/>
             </a:pPr>
             <a:r>
-              <a:rPr lang="en-US" sz="2600" b="0" strike="noStrike" spc="-1" dirty="0" smtClean="0">
+              <a:rPr lang="en-US" sz="2600" b="0" strike="noStrike" spc="-1" dirty="0">
                 <a:solidFill>
                   <a:srgbClr val="000000"/>
                 </a:solidFill>
@@ -17626,52 +17359,7 @@
                 <a:latin typeface="Calibri"/>
                 <a:ea typeface="DejaVu Sans"/>
               </a:rPr>
-              <a:t>Question </a:t>
-            </a:r>
-            <a:r>
-              <a:rPr lang="en-US" sz="2600" b="0" strike="noStrike" spc="-1" dirty="0">
-                <a:solidFill>
-                  <a:srgbClr val="000000"/>
-                </a:solidFill>
-                <a:uFill>
-                  <a:solidFill>
-                    <a:srgbClr val="FFFFFF"/>
-                  </a:solidFill>
-                </a:uFill>
-                <a:latin typeface="Calibri"/>
-                <a:ea typeface="DejaVu Sans"/>
-              </a:rPr>
-              <a:t>about exceptions </a:t>
-            </a:r>
-            <a:r>
-              <a:rPr lang="en-US" sz="2600" b="0" strike="noStrike" spc="-1" dirty="0" smtClean="0">
-                <a:solidFill>
-                  <a:srgbClr val="000000"/>
-                </a:solidFill>
-                <a:uFill>
-                  <a:solidFill>
-                    <a:srgbClr val="FFFFFF"/>
-                  </a:solidFill>
-                </a:uFill>
-                <a:latin typeface="Calibri"/>
-                <a:ea typeface="DejaVu Sans"/>
-              </a:rPr>
-              <a:t>(~4 </a:t>
-            </a:r>
-            <a:r>
-              <a:rPr lang="en-US" sz="2600" b="0" strike="noStrike" spc="-1" dirty="0">
-                <a:solidFill>
-                  <a:srgbClr val="000000"/>
-                </a:solidFill>
-                <a:uFill>
-                  <a:solidFill>
-                    <a:srgbClr val="FFFFFF"/>
-                  </a:solidFill>
-                </a:uFill>
-                <a:latin typeface="Calibri"/>
-                <a:ea typeface="DejaVu Sans"/>
-              </a:rPr>
-              <a:t>points)</a:t>
+              <a:t>Question about exceptions (~4 points)</a:t>
             </a:r>
             <a:endParaRPr lang="en-US" sz="1800" b="0" strike="noStrike" spc="-1" dirty="0">
               <a:solidFill>
@@ -17710,37 +17398,7 @@
                 <a:latin typeface="Calibri"/>
                 <a:ea typeface="DejaVu Sans"/>
               </a:rPr>
-              <a:t>Compile/runtime/printing question </a:t>
-            </a:r>
-            <a:r>
-              <a:rPr lang="en-US" sz="2600" b="0" strike="noStrike" spc="-1" dirty="0" smtClean="0">
-                <a:solidFill>
-                  <a:srgbClr val="000000"/>
-                </a:solidFill>
-                <a:uFill>
-                  <a:solidFill>
-                    <a:srgbClr val="FFFFFF"/>
-                  </a:solidFill>
-                </a:uFill>
-                <a:latin typeface="Calibri"/>
-                <a:ea typeface="DejaVu Sans"/>
-              </a:rPr>
-              <a:t>(~11 </a:t>
-            </a:r>
-            <a:r>
-              <a:rPr lang="en-US" sz="2600" b="0" strike="noStrike" spc="-1" dirty="0">
-                <a:solidFill>
-                  <a:srgbClr val="000000"/>
-                </a:solidFill>
-                <a:uFill>
-                  <a:solidFill>
-                    <a:srgbClr val="FFFFFF"/>
-                  </a:solidFill>
-                </a:uFill>
-                <a:latin typeface="Calibri"/>
-                <a:ea typeface="DejaVu Sans"/>
-              </a:rPr>
-              <a:t>points)</a:t>
+              <a:t>Compile/runtime/printing question (~11 points)</a:t>
             </a:r>
             <a:endParaRPr lang="en-US" sz="1800" b="0" strike="noStrike" spc="-1" dirty="0">
               <a:solidFill>
@@ -17779,37 +17437,7 @@
                 <a:latin typeface="Calibri"/>
                 <a:ea typeface="DejaVu Sans"/>
               </a:rPr>
-              <a:t>Tracing a recursive function </a:t>
-            </a:r>
-            <a:r>
-              <a:rPr lang="en-US" sz="2600" b="0" strike="noStrike" spc="-1" dirty="0" smtClean="0">
-                <a:solidFill>
-                  <a:srgbClr val="000000"/>
-                </a:solidFill>
-                <a:uFill>
-                  <a:solidFill>
-                    <a:srgbClr val="FFFFFF"/>
-                  </a:solidFill>
-                </a:uFill>
-                <a:latin typeface="Calibri"/>
-                <a:ea typeface="DejaVu Sans"/>
-              </a:rPr>
-              <a:t>(~10 </a:t>
-            </a:r>
-            <a:r>
-              <a:rPr lang="en-US" sz="2600" b="0" strike="noStrike" spc="-1" dirty="0">
-                <a:solidFill>
-                  <a:srgbClr val="000000"/>
-                </a:solidFill>
-                <a:uFill>
-                  <a:solidFill>
-                    <a:srgbClr val="FFFFFF"/>
-                  </a:solidFill>
-                </a:uFill>
-                <a:latin typeface="Calibri"/>
-                <a:ea typeface="DejaVu Sans"/>
-              </a:rPr>
-              <a:t>points)</a:t>
+              <a:t>Tracing a recursive function (~10 points)</a:t>
             </a:r>
             <a:endParaRPr lang="en-US" sz="1800" b="0" strike="noStrike" spc="-1" dirty="0">
               <a:solidFill>
@@ -17884,14 +17512,6 @@
   <p:clrMapOvr>
     <a:masterClrMapping/>
   </p:clrMapOvr>
-  <mc:AlternateContent xmlns:mc="http://schemas.openxmlformats.org/markup-compatibility/2006" xmlns:p14="http://schemas.microsoft.com/office/powerpoint/2010/main">
-    <mc:Choice Requires="p14">
-      <p:transition spd="slow" p14:dur="2000"/>
-    </mc:Choice>
-    <mc:Fallback xmlns="">
-      <p:transition spd="slow"/>
-    </mc:Fallback>
-  </mc:AlternateContent>
   <p:timing>
     <p:tnLst>
       <p:par>
@@ -18171,7 +17791,7 @@
               <a:buFont typeface="Wingdings" charset="2"/>
               <a:buChar char=""/>
             </a:pPr>
-            <a:endParaRPr lang="en-US" sz="2600" b="0" strike="noStrike" spc="-1" dirty="0" smtClean="0">
+            <a:endParaRPr lang="en-US" sz="2600" b="0" strike="noStrike" spc="-1" dirty="0">
               <a:solidFill>
                 <a:srgbClr val="000000"/>
               </a:solidFill>
@@ -18197,7 +17817,7 @@
               <a:buChar char=""/>
             </a:pPr>
             <a:r>
-              <a:rPr lang="en-US" sz="3200" spc="-1" dirty="0" smtClean="0">
+              <a:rPr lang="en-US" sz="3200" spc="-1" dirty="0">
                 <a:solidFill>
                   <a:srgbClr val="000000"/>
                 </a:solidFill>
@@ -18211,18 +17831,6 @@
               </a:rPr>
               <a:t>Take-home Part:</a:t>
             </a:r>
-            <a:endParaRPr lang="en-US" sz="3200" spc="-1" dirty="0">
-              <a:solidFill>
-                <a:srgbClr val="000000"/>
-              </a:solidFill>
-              <a:uFill>
-                <a:solidFill>
-                  <a:srgbClr val="FFFFFF"/>
-                </a:solidFill>
-              </a:uFill>
-              <a:latin typeface="Calibri"/>
-              <a:ea typeface="DejaVu Sans"/>
-            </a:endParaRPr>
           </a:p>
           <a:p>
             <a:pPr marL="432000" indent="-323280">
@@ -18237,7 +17845,7 @@
               <a:buChar char=""/>
             </a:pPr>
             <a:r>
-              <a:rPr lang="en-US" sz="2600" b="0" strike="noStrike" spc="-1" dirty="0" smtClean="0">
+              <a:rPr lang="en-US" sz="2600" b="0" strike="noStrike" spc="-1" dirty="0">
                 <a:solidFill>
                   <a:srgbClr val="000000"/>
                 </a:solidFill>
@@ -18249,22 +17857,7 @@
                 <a:latin typeface="Calibri"/>
                 <a:ea typeface="DejaVu Sans"/>
               </a:rPr>
-              <a:t>Problem </a:t>
-            </a:r>
-            <a:r>
-              <a:rPr lang="en-US" sz="2600" b="0" strike="noStrike" spc="-1" dirty="0">
-                <a:solidFill>
-                  <a:srgbClr val="000000"/>
-                </a:solidFill>
-                <a:uFill>
-                  <a:solidFill>
-                    <a:srgbClr val="FFFFFF"/>
-                  </a:solidFill>
-                </a:uFill>
-                <a:latin typeface="Calibri"/>
-                <a:ea typeface="DejaVu Sans"/>
-              </a:rPr>
-              <a:t>where you have to layout a GUI and handle updates using listeners</a:t>
+              <a:t>Problem where you have to layout a GUI and handle updates using listeners</a:t>
             </a:r>
             <a:endParaRPr lang="en-US" sz="1800" b="0" strike="noStrike" spc="-1" dirty="0">
               <a:solidFill>
@@ -18285,14 +17878,6 @@
   <p:clrMapOvr>
     <a:masterClrMapping/>
   </p:clrMapOvr>
-  <mc:AlternateContent xmlns:mc="http://schemas.openxmlformats.org/markup-compatibility/2006" xmlns:p14="http://schemas.microsoft.com/office/powerpoint/2010/main">
-    <mc:Choice Requires="p14">
-      <p:transition spd="slow" p14:dur="2000"/>
-    </mc:Choice>
-    <mc:Fallback xmlns="">
-      <p:transition spd="slow"/>
-    </mc:Fallback>
-  </mc:AlternateContent>
   <p:timing>
     <p:tnLst>
       <p:par>
@@ -18361,10 +17946,9 @@
           <a:lstStyle/>
           <a:p>
             <a:r>
-              <a:rPr lang="en-US" dirty="0" smtClean="0"/>
+              <a:rPr lang="en-US" dirty="0"/>
               <a:t>Don’t forget!</a:t>
             </a:r>
-            <a:endParaRPr lang="en-US" dirty="0"/>
           </a:p>
         </p:txBody>
       </p:sp>
@@ -18399,72 +17983,7 @@
                   </a:solidFill>
                 </a:uFill>
               </a:rPr>
-              <a:t>Take </a:t>
-            </a:r>
-            <a:r>
-              <a:rPr lang="en-US" spc="-1" dirty="0" smtClean="0">
-                <a:solidFill>
-                  <a:srgbClr val="000000"/>
-                </a:solidFill>
-                <a:uFill>
-                  <a:solidFill>
-                    <a:srgbClr val="FFFFFF"/>
-                  </a:solidFill>
-                </a:uFill>
-              </a:rPr>
-              <a:t>CATME </a:t>
-            </a:r>
-            <a:r>
-              <a:rPr lang="en-US" spc="-1" dirty="0">
-                <a:solidFill>
-                  <a:srgbClr val="000000"/>
-                </a:solidFill>
-                <a:uFill>
-                  <a:solidFill>
-                    <a:srgbClr val="FFFFFF"/>
-                  </a:solidFill>
-                </a:uFill>
-              </a:rPr>
-              <a:t>survey today </a:t>
-            </a:r>
-            <a:r>
-              <a:rPr lang="en-US" spc="-1" dirty="0" smtClean="0">
-                <a:solidFill>
-                  <a:srgbClr val="000000"/>
-                </a:solidFill>
-                <a:uFill>
-                  <a:solidFill>
-                    <a:srgbClr val="FFFFFF"/>
-                  </a:solidFill>
-                </a:uFill>
-              </a:rPr>
-              <a:t>by 5PM to </a:t>
-            </a:r>
-            <a:r>
-              <a:rPr lang="en-US" spc="-1" dirty="0">
-                <a:solidFill>
-                  <a:srgbClr val="000000"/>
-                </a:solidFill>
-                <a:uFill>
-                  <a:solidFill>
-                    <a:srgbClr val="FFFFFF"/>
-                  </a:solidFill>
-                </a:uFill>
-              </a:rPr>
-              <a:t>voice your preferences for project partners</a:t>
-            </a:r>
-            <a:r>
-              <a:rPr lang="en-US" spc="-1" dirty="0" smtClean="0">
-                <a:solidFill>
-                  <a:srgbClr val="000000"/>
-                </a:solidFill>
-                <a:uFill>
-                  <a:solidFill>
-                    <a:srgbClr val="FFFFFF"/>
-                  </a:solidFill>
-                </a:uFill>
-              </a:rPr>
-              <a:t>.</a:t>
+              <a:t>Take CATME survey today by 5PM to voice your preferences for project partners.</a:t>
             </a:r>
           </a:p>
           <a:p>
@@ -18494,14 +18013,6 @@
   <p:clrMapOvr>
     <a:masterClrMapping/>
   </p:clrMapOvr>
-  <mc:AlternateContent xmlns:mc="http://schemas.openxmlformats.org/markup-compatibility/2006" xmlns:p14="http://schemas.microsoft.com/office/powerpoint/2010/main">
-    <mc:Choice Requires="p14">
-      <p:transition spd="slow" p14:dur="2000"/>
-    </mc:Choice>
-    <mc:Fallback xmlns="">
-      <p:transition spd="slow"/>
-    </mc:Fallback>
-  </mc:AlternateContent>
 </p:sld>
 </file>
 
@@ -18568,7 +18079,7 @@
               <a:buChar char="•"/>
             </a:pPr>
             <a:r>
-              <a:rPr lang="en-US" sz="2000" b="0" strike="noStrike" spc="-1" dirty="0" smtClean="0">
+              <a:rPr lang="en-US" sz="2000" b="0" strike="noStrike" spc="-1" dirty="0">
                 <a:solidFill>
                   <a:srgbClr val="000000"/>
                 </a:solidFill>
@@ -18648,7 +18159,7 @@
               </a:lnSpc>
             </a:pPr>
             <a:r>
-              <a:rPr lang="en-US" sz="4400" b="0" strike="noStrike" spc="-1" dirty="0" smtClean="0">
+              <a:rPr lang="en-US" sz="4400" b="0" strike="noStrike" spc="-1" dirty="0">
                 <a:solidFill>
                   <a:srgbClr val="000000"/>
                 </a:solidFill>
@@ -18686,14 +18197,6 @@
   <p:clrMapOvr>
     <a:masterClrMapping/>
   </p:clrMapOvr>
-  <mc:AlternateContent xmlns:mc="http://schemas.openxmlformats.org/markup-compatibility/2006">
-    <mc:Choice xmlns:p14="http://schemas.microsoft.com/office/powerpoint/2010/main" Requires="p14">
-      <p:transition spd="slow" p14:dur="2000"/>
-    </mc:Choice>
-    <mc:Fallback>
-      <p:transition spd="slow"/>
-    </mc:Fallback>
-  </mc:AlternateContent>
   <p:timing>
     <p:tnLst>
       <p:par>
@@ -19030,7 +18533,7 @@
               </a:lnSpc>
             </a:pPr>
             <a:r>
-              <a:rPr lang="en-US" sz="4400" b="0" strike="noStrike" spc="-1" dirty="0" smtClean="0">
+              <a:rPr lang="en-US" sz="4400" b="0" strike="noStrike" spc="-1" dirty="0">
                 <a:solidFill>
                   <a:srgbClr val="000000"/>
                 </a:solidFill>
@@ -19042,22 +18545,7 @@
                 <a:latin typeface="Calibri"/>
                 <a:ea typeface="DejaVu Sans"/>
               </a:rPr>
-              <a:t>Review and Expand UML </a:t>
-            </a:r>
-            <a:r>
-              <a:rPr lang="en-US" sz="4400" b="0" strike="noStrike" spc="-1" dirty="0">
-                <a:solidFill>
-                  <a:srgbClr val="000000"/>
-                </a:solidFill>
-                <a:uFill>
-                  <a:solidFill>
-                    <a:srgbClr val="FFFFFF"/>
-                  </a:solidFill>
-                </a:uFill>
-                <a:latin typeface="Calibri"/>
-                <a:ea typeface="DejaVu Sans"/>
-              </a:rPr>
-              <a:t>Notation: Cardinality</a:t>
+              <a:t>Review and Expand UML Notation: Cardinality</a:t>
             </a:r>
             <a:endParaRPr lang="en-US" sz="1800" b="0" strike="noStrike" spc="-1" dirty="0">
               <a:solidFill>
@@ -21650,10 +21138,9 @@
           <a:lstStyle/>
           <a:p>
             <a:r>
-              <a:rPr lang="en-US" sz="1400" i="1" dirty="0" smtClean="0"/>
+              <a:rPr lang="en-US" sz="1400" i="1" dirty="0"/>
               <a:t>Only a single parser is used by the entire system</a:t>
             </a:r>
-            <a:endParaRPr lang="en-US" sz="1400" i="1" dirty="0"/>
           </a:p>
         </p:txBody>
       </p:sp>
@@ -21679,34 +21166,33 @@
           <a:lstStyle/>
           <a:p>
             <a:r>
-              <a:rPr lang="en-US" sz="1400" i="1" dirty="0" smtClean="0"/>
+              <a:rPr lang="en-US" sz="1400" i="1" dirty="0"/>
               <a:t>All </a:t>
             </a:r>
             <a:r>
-              <a:rPr lang="en-US" sz="1400" i="1" dirty="0" err="1" smtClean="0"/>
+              <a:rPr lang="en-US" sz="1400" i="1" dirty="0" err="1"/>
               <a:t>EventType</a:t>
             </a:r>
             <a:r>
-              <a:rPr lang="en-US" sz="1400" i="1" dirty="0" smtClean="0"/>
+              <a:rPr lang="en-US" sz="1400" i="1" dirty="0"/>
               <a:t> instances use the same </a:t>
             </a:r>
             <a:r>
-              <a:rPr lang="en-US" sz="1400" i="1" dirty="0" err="1" smtClean="0"/>
+              <a:rPr lang="en-US" sz="1400" i="1" dirty="0" err="1"/>
               <a:t>EventParser</a:t>
             </a:r>
             <a:r>
-              <a:rPr lang="en-US" sz="1400" i="1" dirty="0" smtClean="0"/>
+              <a:rPr lang="en-US" sz="1400" i="1" dirty="0"/>
               <a:t>. Each </a:t>
             </a:r>
             <a:r>
-              <a:rPr lang="en-US" sz="1400" i="1" dirty="0" err="1" smtClean="0"/>
+              <a:rPr lang="en-US" sz="1400" i="1" dirty="0" err="1"/>
               <a:t>EventType</a:t>
             </a:r>
             <a:r>
-              <a:rPr lang="en-US" sz="1400" i="1" dirty="0" smtClean="0"/>
+              <a:rPr lang="en-US" sz="1400" i="1" dirty="0"/>
               <a:t> can have AT MOST 1 Event</a:t>
             </a:r>
-            <a:endParaRPr lang="en-US" sz="1400" i="1" dirty="0"/>
           </a:p>
         </p:txBody>
       </p:sp>
@@ -21732,50 +21218,49 @@
           <a:lstStyle/>
           <a:p>
             <a:r>
-              <a:rPr lang="en-US" sz="1400" i="1" dirty="0" smtClean="0"/>
+              <a:rPr lang="en-US" sz="1400" i="1" dirty="0"/>
               <a:t>An Event always has two </a:t>
             </a:r>
             <a:r>
-              <a:rPr lang="en-US" sz="1400" i="1" dirty="0" err="1" smtClean="0"/>
+              <a:rPr lang="en-US" sz="1400" i="1" dirty="0" err="1"/>
               <a:t>EventTypes</a:t>
             </a:r>
             <a:r>
-              <a:rPr lang="en-US" sz="1400" i="1" dirty="0" smtClean="0"/>
+              <a:rPr lang="en-US" sz="1400" i="1" dirty="0"/>
               <a:t>, for instance maybe there is a National level </a:t>
             </a:r>
             <a:r>
-              <a:rPr lang="en-US" sz="1400" i="1" dirty="0" err="1" smtClean="0"/>
+              <a:rPr lang="en-US" sz="1400" i="1" dirty="0" err="1"/>
               <a:t>EventType</a:t>
             </a:r>
             <a:r>
-              <a:rPr lang="en-US" sz="1400" i="1" dirty="0" smtClean="0"/>
+              <a:rPr lang="en-US" sz="1400" i="1" dirty="0"/>
               <a:t> (large categories like entertainment/conference/</a:t>
             </a:r>
             <a:r>
-              <a:rPr lang="en-US" sz="1400" i="1" dirty="0" err="1" smtClean="0"/>
+              <a:rPr lang="en-US" sz="1400" i="1" dirty="0" err="1"/>
               <a:t>etc</a:t>
             </a:r>
             <a:r>
-              <a:rPr lang="en-US" sz="1400" i="1" dirty="0" smtClean="0"/>
+              <a:rPr lang="en-US" sz="1400" i="1" dirty="0"/>
               <a:t>) and a Regional level </a:t>
             </a:r>
             <a:r>
-              <a:rPr lang="en-US" sz="1400" i="1" dirty="0" err="1" smtClean="0"/>
+              <a:rPr lang="en-US" sz="1400" i="1" dirty="0" err="1"/>
               <a:t>EventType</a:t>
             </a:r>
             <a:r>
-              <a:rPr lang="en-US" sz="1400" i="1" dirty="0" smtClean="0"/>
+              <a:rPr lang="en-US" sz="1400" i="1" dirty="0"/>
               <a:t> (more specific to local area: parade, county fair, </a:t>
             </a:r>
             <a:r>
-              <a:rPr lang="en-US" sz="1400" i="1" dirty="0" err="1" smtClean="0"/>
+              <a:rPr lang="en-US" sz="1400" i="1" dirty="0" err="1"/>
               <a:t>etc</a:t>
             </a:r>
             <a:r>
-              <a:rPr lang="en-US" sz="1400" i="1" dirty="0" smtClean="0"/>
+              <a:rPr lang="en-US" sz="1400" i="1" dirty="0"/>
               <a:t>)</a:t>
             </a:r>
-            <a:endParaRPr lang="en-US" sz="1400" i="1" dirty="0"/>
           </a:p>
         </p:txBody>
       </p:sp>
@@ -22860,7 +22345,7 @@
               </a:lnSpc>
             </a:pPr>
             <a:r>
-              <a:rPr lang="en-US" sz="1800" b="0" strike="noStrike" spc="-1" dirty="0" smtClean="0">
+              <a:rPr lang="en-US" sz="1800" b="0" strike="noStrike" spc="-1" dirty="0">
                 <a:solidFill>
                   <a:srgbClr val="FFFFFF"/>
                 </a:solidFill>
